--- a/Music Status Checker/Powerpoint Versions/Publish Status.pptx
+++ b/Music Status Checker/Powerpoint Versions/Publish Status.pptx
@@ -356,7 +356,7 @@
           <a:p>
             <a:fld id="{9184DA70-C731-4C70-880D-CCD4705E623C}" type="datetime1">
               <a:rPr lang="en-US" smtClean="0"/>
-              <a:t>1/30/2021</a:t>
+              <a:t>1/31/2021</a:t>
             </a:fld>
             <a:endParaRPr lang="en-US" dirty="0"/>
           </a:p>
@@ -544,7 +544,7 @@
           <a:p>
             <a:fld id="{4BE1D723-8F53-4F53-90B0-1982A396982E}" type="datetime1">
               <a:rPr lang="en-US" smtClean="0"/>
-              <a:t>1/30/2021</a:t>
+              <a:t>1/31/2021</a:t>
             </a:fld>
             <a:endParaRPr lang="en-US" dirty="0"/>
           </a:p>
@@ -917,7 +917,7 @@
           <a:p>
             <a:fld id="{97669AF7-7BEB-44E4-9852-375E34362B5B}" type="datetime1">
               <a:rPr lang="en-US" smtClean="0"/>
-              <a:t>1/30/2021</a:t>
+              <a:t>1/31/2021</a:t>
             </a:fld>
             <a:endParaRPr lang="en-US" dirty="0"/>
           </a:p>
@@ -1172,7 +1172,7 @@
           <a:p>
             <a:fld id="{BAAAC38D-0552-4C82-B593-E6124DFADBE2}" type="datetime1">
               <a:rPr lang="en-US" smtClean="0"/>
-              <a:t>1/30/2021</a:t>
+              <a:t>1/31/2021</a:t>
             </a:fld>
             <a:endParaRPr lang="en-US" dirty="0"/>
           </a:p>
@@ -1569,7 +1569,7 @@
           <a:p>
             <a:fld id="{D9DF0F1C-5577-4ACB-BB62-DF8F3C494C7E}" type="datetime1">
               <a:rPr lang="en-US" smtClean="0"/>
-              <a:t>1/30/2021</a:t>
+              <a:t>1/31/2021</a:t>
             </a:fld>
             <a:endParaRPr lang="en-US" dirty="0"/>
           </a:p>
@@ -1705,7 +1705,7 @@
           <a:p>
             <a:fld id="{1775B394-D9F9-4F0C-B15D-605F45CB9E9F}" type="datetime1">
               <a:rPr lang="en-US" smtClean="0"/>
-              <a:t>1/30/2021</a:t>
+              <a:t>1/31/2021</a:t>
             </a:fld>
             <a:endParaRPr lang="en-US" dirty="0"/>
           </a:p>
@@ -1862,7 +1862,7 @@
           <a:p>
             <a:fld id="{39667345-2558-425A-8533-9BFDBCE15005}" type="datetime1">
               <a:rPr lang="en-US" smtClean="0"/>
-              <a:t>1/30/2021</a:t>
+              <a:t>1/31/2021</a:t>
             </a:fld>
             <a:endParaRPr lang="en-US" dirty="0"/>
           </a:p>
@@ -2191,7 +2191,7 @@
           <a:p>
             <a:fld id="{92BEA474-078D-4E9B-9B14-09A87B19DC46}" type="datetime1">
               <a:rPr lang="en-US" smtClean="0"/>
-              <a:t>1/30/2021</a:t>
+              <a:t>1/31/2021</a:t>
             </a:fld>
             <a:endParaRPr lang="en-US" dirty="0"/>
           </a:p>
@@ -2541,7 +2541,7 @@
           <a:p>
             <a:fld id="{4907D986-8816-4272-A432-0437A28A9828}" type="datetime1">
               <a:rPr lang="en-US" smtClean="0"/>
-              <a:t>1/30/2021</a:t>
+              <a:t>1/31/2021</a:t>
             </a:fld>
             <a:endParaRPr lang="en-US" dirty="0"/>
           </a:p>
@@ -2802,7 +2802,7 @@
           <a:p>
             <a:fld id="{62D6E202-B606-4609-B914-27C9371A1F6D}" type="datetime1">
               <a:rPr lang="en-US" smtClean="0"/>
-              <a:t>1/30/2021</a:t>
+              <a:t>1/31/2021</a:t>
             </a:fld>
             <a:endParaRPr lang="en-US" dirty="0"/>
           </a:p>
@@ -3628,7 +3628,7 @@
             </a:pPr>
             <a:r>
               <a:rPr lang="en-US" sz="1600" dirty="0"/>
-              <a:t>Music Status Checker</a:t>
+              <a:t>Current Status</a:t>
             </a:r>
           </a:p>
         </p:txBody>
@@ -3930,6 +3930,61 @@
           <a:p>
             <a:pPr algn="ctr"/>
             <a:endParaRPr lang="en-US"/>
+          </a:p>
+        </p:txBody>
+      </p:sp>
+      <p:sp>
+        <p:nvSpPr>
+          <p:cNvPr id="8" name="Rectangle 7">
+            <a:extLst>
+              <a:ext uri="{FF2B5EF4-FFF2-40B4-BE49-F238E27FC236}">
+                <a16:creationId xmlns:a16="http://schemas.microsoft.com/office/drawing/2014/main" id="{D6CFDF06-FDBF-4F11-AC42-B7CEFD44D7DC}"/>
+              </a:ext>
+            </a:extLst>
+          </p:cNvPr>
+          <p:cNvSpPr/>
+          <p:nvPr/>
+        </p:nvSpPr>
+        <p:spPr>
+          <a:xfrm>
+            <a:off x="4601908" y="23181"/>
+            <a:ext cx="3679212" cy="923330"/>
+          </a:xfrm>
+          <a:prstGeom prst="rect">
+            <a:avLst/>
+          </a:prstGeom>
+          <a:noFill/>
+        </p:spPr>
+        <p:txBody>
+          <a:bodyPr wrap="none" lIns="91440" tIns="45720" rIns="91440" bIns="45720">
+            <a:spAutoFit/>
+          </a:bodyPr>
+          <a:lstStyle/>
+          <a:p>
+            <a:pPr algn="ctr"/>
+            <a:r>
+              <a:rPr lang="en-US" sz="5400" b="1" cap="none" spc="0" dirty="0">
+                <a:ln w="13462">
+                  <a:solidFill>
+                    <a:schemeClr val="bg1"/>
+                  </a:solidFill>
+                  <a:prstDash val="solid"/>
+                </a:ln>
+                <a:solidFill>
+                  <a:schemeClr val="tx1">
+                    <a:lumMod val="85000"/>
+                    <a:lumOff val="15000"/>
+                  </a:schemeClr>
+                </a:solidFill>
+                <a:effectLst>
+                  <a:outerShdw dist="38100" dir="2700000" algn="bl" rotWithShape="0">
+                    <a:schemeClr val="accent5"/>
+                  </a:outerShdw>
+                </a:effectLst>
+                <a:latin typeface="Bahnschrift Light Condensed" panose="020B0502040204020203" pitchFamily="34" charset="0"/>
+              </a:rPr>
+              <a:t>Status Checker</a:t>
+            </a:r>
           </a:p>
         </p:txBody>
       </p:sp>
@@ -4230,6 +4285,15 @@
 </file>
 
 <file path=customXml/item1.xml><?xml version="1.0" encoding="utf-8"?>
+<p:properties xmlns:p="http://schemas.microsoft.com/office/2006/metadata/properties" xmlns:xsi="http://www.w3.org/2001/XMLSchema-instance" xmlns:pc="http://schemas.microsoft.com/office/infopath/2007/PartnerControls">
+  <documentManagement>
+    <Status xmlns="71af3243-3dd4-4a8d-8c0d-dd76da1f02a5">Not started</Status>
+    <MediaServiceKeyPoints xmlns="71af3243-3dd4-4a8d-8c0d-dd76da1f02a5" xsi:nil="true"/>
+  </documentManagement>
+</p:properties>
+</file>
+
+<file path=customXml/item2.xml><?xml version="1.0" encoding="utf-8"?>
 <ct:contentTypeSchema xmlns:ct="http://schemas.microsoft.com/office/2006/metadata/contentType" xmlns:ma="http://schemas.microsoft.com/office/2006/metadata/properties/metaAttributes" ct:_="" ma:_="" ma:contentTypeName="Document" ma:contentTypeID="0x01010079F111ED35F8CC479449609E8A0923A6" ma:contentTypeVersion="12" ma:contentTypeDescription="Create a new document." ma:contentTypeScope="" ma:versionID="a410dd7f93c95333ffa1b60ed6adedd1">
   <xsd:schema xmlns:xsd="http://www.w3.org/2001/XMLSchema" xmlns:xs="http://www.w3.org/2001/XMLSchema" xmlns:p="http://schemas.microsoft.com/office/2006/metadata/properties" xmlns:ns2="71af3243-3dd4-4a8d-8c0d-dd76da1f02a5" xmlns:ns3="16c05727-aa75-4e4a-9b5f-8a80a1165891" targetNamespace="http://schemas.microsoft.com/office/2006/metadata/properties" ma:root="true" ma:fieldsID="a936d9baba76aa3866493feff160faab" ns2:_="" ns3:_="">
     <xsd:import namespace="71af3243-3dd4-4a8d-8c0d-dd76da1f02a5"/>
@@ -4450,7 +4514,7 @@
 </ct:contentTypeSchema>
 </file>
 
-<file path=customXml/item2.xml><?xml version="1.0" encoding="utf-8"?>
+<file path=customXml/item3.xml><?xml version="1.0" encoding="utf-8"?>
 <?mso-contentType ?>
 <FormTemplates xmlns="http://schemas.microsoft.com/sharepoint/v3/contenttype/forms">
   <Display>DocumentLibraryForm</Display>
@@ -4459,16 +4523,17 @@
 </FormTemplates>
 </file>
 
-<file path=customXml/item3.xml><?xml version="1.0" encoding="utf-8"?>
-<p:properties xmlns:p="http://schemas.microsoft.com/office/2006/metadata/properties" xmlns:xsi="http://www.w3.org/2001/XMLSchema-instance" xmlns:pc="http://schemas.microsoft.com/office/infopath/2007/PartnerControls">
-  <documentManagement>
-    <Status xmlns="71af3243-3dd4-4a8d-8c0d-dd76da1f02a5">Not started</Status>
-    <MediaServiceKeyPoints xmlns="71af3243-3dd4-4a8d-8c0d-dd76da1f02a5" xsi:nil="true"/>
-  </documentManagement>
-</p:properties>
+<file path=customXml/itemProps1.xml><?xml version="1.0" encoding="utf-8"?>
+<ds:datastoreItem xmlns:ds="http://schemas.openxmlformats.org/officeDocument/2006/customXml" ds:itemID="{A03EEFF0-FB57-4CB4-8BFC-DF397689E2ED}">
+  <ds:schemaRefs>
+    <ds:schemaRef ds:uri="http://schemas.microsoft.com/office/2006/metadata/properties"/>
+    <ds:schemaRef ds:uri="http://schemas.microsoft.com/office/infopath/2007/PartnerControls"/>
+    <ds:schemaRef ds:uri="71af3243-3dd4-4a8d-8c0d-dd76da1f02a5"/>
+  </ds:schemaRefs>
+</ds:datastoreItem>
 </file>
 
-<file path=customXml/itemProps1.xml><?xml version="1.0" encoding="utf-8"?>
+<file path=customXml/itemProps2.xml><?xml version="1.0" encoding="utf-8"?>
 <ds:datastoreItem xmlns:ds="http://schemas.openxmlformats.org/officeDocument/2006/customXml" ds:itemID="{93932EF5-314F-409E-8020-FEE5FA0795B9}">
   <ds:schemaRefs>
     <ds:schemaRef ds:uri="http://schemas.microsoft.com/office/2006/metadata/contentType"/>
@@ -4487,20 +4552,10 @@
 </ds:datastoreItem>
 </file>
 
-<file path=customXml/itemProps2.xml><?xml version="1.0" encoding="utf-8"?>
+<file path=customXml/itemProps3.xml><?xml version="1.0" encoding="utf-8"?>
 <ds:datastoreItem xmlns:ds="http://schemas.openxmlformats.org/officeDocument/2006/customXml" ds:itemID="{AA3F7EDC-E5B4-4BBC-9D2A-CBE6D46C37AD}">
   <ds:schemaRefs>
     <ds:schemaRef ds:uri="http://schemas.microsoft.com/sharepoint/v3/contenttype/forms"/>
   </ds:schemaRefs>
 </ds:datastoreItem>
-</file>
-
-<file path=customXml/itemProps3.xml><?xml version="1.0" encoding="utf-8"?>
-<ds:datastoreItem xmlns:ds="http://schemas.openxmlformats.org/officeDocument/2006/customXml" ds:itemID="{A03EEFF0-FB57-4CB4-8BFC-DF397689E2ED}">
-  <ds:schemaRefs>
-    <ds:schemaRef ds:uri="http://schemas.microsoft.com/office/2006/metadata/properties"/>
-    <ds:schemaRef ds:uri="http://schemas.microsoft.com/office/infopath/2007/PartnerControls"/>
-    <ds:schemaRef ds:uri="71af3243-3dd4-4a8d-8c0d-dd76da1f02a5"/>
-  </ds:schemaRefs>
-</ds:datastoreItem>
 </file>